--- a/doc/PROJECT_REVIEW_1_PPT.pptx
+++ b/doc/PROJECT_REVIEW_1_PPT.pptx
@@ -278,7 +278,7 @@
       </p15:sldGuideLst>
     </p:ext>
     <p:ext uri="GoogleSlidesCustomDataVersion2">
-      <go:slidesCustomData xmlns="" xmlns:mc="http://schemas.openxmlformats.org/markup-compatibility/2006" xmlns:mv="urn:schemas-microsoft-com:mac:vml" xmlns:c="http://schemas.openxmlformats.org/drawingml/2006/chart" xmlns:dgm="http://schemas.openxmlformats.org/drawingml/2006/diagram" xmlns:o="urn:schemas-microsoft-com:office:office" xmlns:v="urn:schemas-microsoft-com:vml" xmlns:pvml="urn:schemas-microsoft-com:office:powerpoint" xmlns:com="http://schemas.openxmlformats.org/drawingml/2006/compatibility" xmlns:p14="http://schemas.microsoft.com/office/powerpoint/2010/main" xmlns:p15="http://schemas.microsoft.com/office/powerpoint/2012/main" xmlns:ahyp="http://schemas.microsoft.com/office/drawing/2018/hyperlinkcolor" xmlns:go="http://customooxmlschemas.google.com/" r:id="rId26" roundtripDataSignature="AMtx7miM+FQWB09mP7JpfQqSUp39kM8WDw=="/>
+      <go:slidesCustomData xmlns:go="http://customooxmlschemas.google.com/" xmlns:ahyp="http://schemas.microsoft.com/office/drawing/2018/hyperlinkcolor" xmlns:p15="http://schemas.microsoft.com/office/powerpoint/2012/main" xmlns:p14="http://schemas.microsoft.com/office/powerpoint/2010/main" xmlns:com="http://schemas.openxmlformats.org/drawingml/2006/compatibility" xmlns:pvml="urn:schemas-microsoft-com:office:powerpoint" xmlns:v="urn:schemas-microsoft-com:vml" xmlns:o="urn:schemas-microsoft-com:office:office" xmlns:dgm="http://schemas.openxmlformats.org/drawingml/2006/diagram" xmlns:c="http://schemas.openxmlformats.org/drawingml/2006/chart" xmlns:mv="urn:schemas-microsoft-com:mac:vml" xmlns:mc="http://schemas.openxmlformats.org/markup-compatibility/2006" xmlns="" r:id="rId26" roundtripDataSignature="AMtx7miM+FQWB09mP7JpfQqSUp39kM8WDw=="/>
     </p:ext>
   </p:extLst>
 </p:presentation>
@@ -15466,7 +15466,7 @@
               <a:t>  </a:t>
             </a:r>
             <a:r>
-              <a:rPr lang="en-US" sz="2000" dirty="0" err="1">
+              <a:rPr lang="en-US" sz="2000" dirty="0">
                 <a:solidFill>
                   <a:schemeClr val="dk1"/>
                 </a:solidFill>
@@ -15475,19 +15475,7 @@
                 <a:cs typeface="Times New Roman"/>
                 <a:sym typeface="Times New Roman"/>
               </a:rPr>
-              <a:t>Ms.SUBBULAKSHMI</a:t>
-            </a:r>
-            <a:r>
-              <a:rPr lang="en-US" sz="2000" dirty="0">
-                <a:solidFill>
-                  <a:schemeClr val="dk1"/>
-                </a:solidFill>
-                <a:latin typeface="Times New Roman"/>
-                <a:ea typeface="Times New Roman"/>
-                <a:cs typeface="Times New Roman"/>
-                <a:sym typeface="Times New Roman"/>
-              </a:rPr>
-              <a:t> M.E.,</a:t>
+              <a:t>Ms. A. SUBBULAKSHMI M.E.,</a:t>
             </a:r>
             <a:endParaRPr sz="2000" dirty="0">
               <a:latin typeface="Times New Roman"/>
@@ -17777,7 +17765,7 @@
                 <a:cs typeface="Times New Roman"/>
                 <a:sym typeface="Times New Roman"/>
               </a:rPr>
-              <a:t>PPROGRESS - FIR FILTER (CUSTOM V-MAC)</a:t>
+              <a:t>PROGRESS - FIR FILTER (CUSTOM V-MAC)</a:t>
             </a:r>
             <a:endParaRPr b="1" dirty="0">
               <a:latin typeface="Times New Roman"/>
@@ -17989,7 +17977,7 @@
           <a:p>
             <a:r>
               <a:rPr lang="en-US" b="1" dirty="0"/>
-              <a:t>[7 Clock Cycles Needed]</a:t>
+              <a:t>[1 Clock Cycles Needed]</a:t>
             </a:r>
             <a:endParaRPr lang="en-IN" b="1" dirty="0"/>
           </a:p>
